--- a/yoonkwan.pptx
+++ b/yoonkwan.pptx
@@ -4921,6 +4921,78 @@
                   <a:schemeClr val="tx1"/>
                 </a:solidFill>
               </a:rPr>
+              <a:t>닉네임</a:t>
+            </a:r>
+            <a:endParaRPr lang="en-US" altLang="ko-KR" sz="1200" dirty="0" smtClean="0">
+              <a:solidFill>
+                <a:schemeClr val="tx1"/>
+              </a:solidFill>
+            </a:endParaRPr>
+          </a:p>
+          <a:p>
+            <a:pPr algn="ctr"/>
+            <a:endParaRPr lang="en-US" altLang="ko-KR" sz="1200" dirty="0" smtClean="0">
+              <a:solidFill>
+                <a:schemeClr val="tx1"/>
+              </a:solidFill>
+            </a:endParaRPr>
+          </a:p>
+          <a:p>
+            <a:pPr algn="ctr"/>
+            <a:r>
+              <a:rPr lang="ko-KR" altLang="en-US" sz="1200" dirty="0" smtClean="0">
+                <a:solidFill>
+                  <a:schemeClr val="tx1"/>
+                </a:solidFill>
+              </a:rPr>
+              <a:t>생년월일</a:t>
+            </a:r>
+            <a:endParaRPr lang="en-US" altLang="ko-KR" sz="1200" dirty="0" smtClean="0">
+              <a:solidFill>
+                <a:schemeClr val="tx1"/>
+              </a:solidFill>
+            </a:endParaRPr>
+          </a:p>
+          <a:p>
+            <a:pPr algn="ctr"/>
+            <a:endParaRPr lang="en-US" altLang="ko-KR" sz="1200" dirty="0">
+              <a:solidFill>
+                <a:schemeClr val="tx1"/>
+              </a:solidFill>
+            </a:endParaRPr>
+          </a:p>
+          <a:p>
+            <a:pPr algn="ctr"/>
+            <a:r>
+              <a:rPr lang="ko-KR" altLang="en-US" sz="1200" dirty="0" smtClean="0">
+                <a:solidFill>
+                  <a:schemeClr val="tx1"/>
+                </a:solidFill>
+              </a:rPr>
+              <a:t>핸드폰 번호</a:t>
+            </a:r>
+            <a:endParaRPr lang="en-US" altLang="ko-KR" sz="1200" dirty="0" smtClean="0">
+              <a:solidFill>
+                <a:schemeClr val="tx1"/>
+              </a:solidFill>
+            </a:endParaRPr>
+          </a:p>
+          <a:p>
+            <a:pPr algn="ctr"/>
+            <a:endParaRPr lang="en-US" altLang="ko-KR" sz="1200" dirty="0">
+              <a:solidFill>
+                <a:schemeClr val="tx1"/>
+              </a:solidFill>
+            </a:endParaRPr>
+          </a:p>
+          <a:p>
+            <a:pPr algn="ctr"/>
+            <a:r>
+              <a:rPr lang="ko-KR" altLang="en-US" sz="1200" dirty="0" smtClean="0">
+                <a:solidFill>
+                  <a:schemeClr val="tx1"/>
+                </a:solidFill>
+              </a:rPr>
               <a:t>암호</a:t>
             </a:r>
             <a:endParaRPr lang="en-US" altLang="ko-KR" sz="1200" dirty="0" smtClean="0">
@@ -4995,7 +5067,7 @@
         </p:nvSpPr>
         <p:spPr>
           <a:xfrm>
-            <a:off x="5281542" y="2774931"/>
+            <a:off x="5287484" y="2656195"/>
             <a:ext cx="3194463" cy="273133"/>
           </a:xfrm>
           <a:prstGeom prst="rect">
@@ -5179,16 +5251,16 @@
       </p:sp>
       <p:sp>
         <p:nvSpPr>
-          <p:cNvPr id="14" name="아래쪽 화살표 13"/>
-          <p:cNvSpPr/>
-          <p:nvPr/>
-        </p:nvSpPr>
-        <p:spPr>
-          <a:xfrm>
-            <a:off x="6240483" y="4494811"/>
-            <a:ext cx="219694" cy="605641"/>
-          </a:xfrm>
-          <a:prstGeom prst="downArrow">
+          <p:cNvPr id="15" name="직사각형 14"/>
+          <p:cNvSpPr/>
+          <p:nvPr/>
+        </p:nvSpPr>
+        <p:spPr>
+          <a:xfrm>
+            <a:off x="5824847" y="5358598"/>
+            <a:ext cx="2458192" cy="590939"/>
+          </a:xfrm>
+          <a:prstGeom prst="rect">
             <a:avLst/>
           </a:prstGeom>
           <a:solidFill>
@@ -5219,24 +5291,32 @@
           <a:lstStyle/>
           <a:p>
             <a:pPr algn="ctr"/>
-            <a:endParaRPr lang="ko-KR" altLang="en-US" sz="1200">
-              <a:solidFill>
-                <a:schemeClr val="tx1"/>
-              </a:solidFill>
-            </a:endParaRPr>
-          </a:p>
-        </p:txBody>
-      </p:sp>
-      <p:sp>
-        <p:nvSpPr>
-          <p:cNvPr id="15" name="직사각형 14"/>
-          <p:cNvSpPr/>
-          <p:nvPr/>
-        </p:nvSpPr>
-        <p:spPr>
-          <a:xfrm>
-            <a:off x="5824847" y="5358598"/>
-            <a:ext cx="2458192" cy="590939"/>
+            <a:r>
+              <a:rPr lang="ko-KR" altLang="en-US" sz="1200" dirty="0" smtClean="0">
+                <a:solidFill>
+                  <a:schemeClr val="tx1"/>
+                </a:solidFill>
+              </a:rPr>
+              <a:t>아이디 찾기 시 사용</a:t>
+            </a:r>
+            <a:endParaRPr lang="ko-KR" altLang="en-US" sz="1200" dirty="0">
+              <a:solidFill>
+                <a:schemeClr val="tx1"/>
+              </a:solidFill>
+            </a:endParaRPr>
+          </a:p>
+        </p:txBody>
+      </p:sp>
+      <p:sp>
+        <p:nvSpPr>
+          <p:cNvPr id="16" name="직사각형 15"/>
+          <p:cNvSpPr/>
+          <p:nvPr/>
+        </p:nvSpPr>
+        <p:spPr>
+          <a:xfrm>
+            <a:off x="5391396" y="695858"/>
+            <a:ext cx="1347848" cy="330367"/>
           </a:xfrm>
           <a:prstGeom prst="rect">
             <a:avLst/>
@@ -5275,7 +5355,7 @@
                   <a:schemeClr val="tx1"/>
                 </a:solidFill>
               </a:rPr>
-              <a:t>아이디 찾기 시 사용</a:t>
+              <a:t>회원가입 메뉴</a:t>
             </a:r>
             <a:endParaRPr lang="ko-KR" altLang="en-US" sz="1200" dirty="0">
               <a:solidFill>
@@ -5287,14 +5367,59 @@
       </p:sp>
       <p:sp>
         <p:nvSpPr>
-          <p:cNvPr id="16" name="직사각형 15"/>
-          <p:cNvSpPr/>
-          <p:nvPr/>
-        </p:nvSpPr>
-        <p:spPr>
-          <a:xfrm>
-            <a:off x="5391396" y="695858"/>
-            <a:ext cx="1347848" cy="330367"/>
+          <p:cNvPr id="25" name="직사각형 24"/>
+          <p:cNvSpPr/>
+          <p:nvPr/>
+        </p:nvSpPr>
+        <p:spPr>
+          <a:xfrm>
+            <a:off x="2838203" y="148442"/>
+            <a:ext cx="6555179" cy="469075"/>
+          </a:xfrm>
+          <a:prstGeom prst="rect">
+            <a:avLst/>
+          </a:prstGeom>
+          <a:noFill/>
+        </p:spPr>
+        <p:style>
+          <a:lnRef idx="2">
+            <a:schemeClr val="accent1">
+              <a:shade val="50000"/>
+            </a:schemeClr>
+          </a:lnRef>
+          <a:fillRef idx="1">
+            <a:schemeClr val="accent1"/>
+          </a:fillRef>
+          <a:effectRef idx="0">
+            <a:schemeClr val="accent1"/>
+          </a:effectRef>
+          <a:fontRef idx="minor">
+            <a:schemeClr val="lt1"/>
+          </a:fontRef>
+        </p:style>
+        <p:txBody>
+          <a:bodyPr rtlCol="0" anchor="ctr"/>
+          <a:lstStyle/>
+          <a:p>
+            <a:pPr algn="ctr"/>
+            <a:endParaRPr lang="ko-KR" altLang="en-US" dirty="0">
+              <a:solidFill>
+                <a:schemeClr val="tx1"/>
+              </a:solidFill>
+            </a:endParaRPr>
+          </a:p>
+        </p:txBody>
+      </p:sp>
+      <p:sp>
+        <p:nvSpPr>
+          <p:cNvPr id="26" name="직사각형 25"/>
+          <p:cNvSpPr/>
+          <p:nvPr/>
+        </p:nvSpPr>
+        <p:spPr>
+          <a:xfrm>
+            <a:off x="8620374" y="265710"/>
+            <a:ext cx="641268" cy="234538"/>
           </a:xfrm>
           <a:prstGeom prst="rect">
             <a:avLst/>
@@ -5333,7 +5458,7 @@
                   <a:schemeClr val="tx1"/>
                 </a:solidFill>
               </a:rPr>
-              <a:t>회원가입 메뉴</a:t>
+              <a:t>로그인</a:t>
             </a:r>
             <a:endParaRPr lang="ko-KR" altLang="en-US" sz="1200" dirty="0">
               <a:solidFill>
@@ -5345,59 +5470,14 @@
       </p:sp>
       <p:sp>
         <p:nvSpPr>
-          <p:cNvPr id="25" name="직사각형 24"/>
-          <p:cNvSpPr/>
-          <p:nvPr/>
-        </p:nvSpPr>
-        <p:spPr>
-          <a:xfrm>
-            <a:off x="2838203" y="148442"/>
-            <a:ext cx="6555179" cy="469075"/>
-          </a:xfrm>
-          <a:prstGeom prst="rect">
-            <a:avLst/>
-          </a:prstGeom>
-          <a:noFill/>
-        </p:spPr>
-        <p:style>
-          <a:lnRef idx="2">
-            <a:schemeClr val="accent1">
-              <a:shade val="50000"/>
-            </a:schemeClr>
-          </a:lnRef>
-          <a:fillRef idx="1">
-            <a:schemeClr val="accent1"/>
-          </a:fillRef>
-          <a:effectRef idx="0">
-            <a:schemeClr val="accent1"/>
-          </a:effectRef>
-          <a:fontRef idx="minor">
-            <a:schemeClr val="lt1"/>
-          </a:fontRef>
-        </p:style>
-        <p:txBody>
-          <a:bodyPr rtlCol="0" anchor="ctr"/>
-          <a:lstStyle/>
-          <a:p>
-            <a:pPr algn="ctr"/>
-            <a:endParaRPr lang="ko-KR" altLang="en-US" dirty="0">
-              <a:solidFill>
-                <a:schemeClr val="tx1"/>
-              </a:solidFill>
-            </a:endParaRPr>
-          </a:p>
-        </p:txBody>
-      </p:sp>
-      <p:sp>
-        <p:nvSpPr>
-          <p:cNvPr id="26" name="직사각형 25"/>
-          <p:cNvSpPr/>
-          <p:nvPr/>
-        </p:nvSpPr>
-        <p:spPr>
-          <a:xfrm>
-            <a:off x="8620374" y="265710"/>
-            <a:ext cx="641268" cy="234538"/>
+          <p:cNvPr id="27" name="직사각형 26"/>
+          <p:cNvSpPr/>
+          <p:nvPr/>
+        </p:nvSpPr>
+        <p:spPr>
+          <a:xfrm>
+            <a:off x="7900060" y="265710"/>
+            <a:ext cx="676893" cy="234538"/>
           </a:xfrm>
           <a:prstGeom prst="rect">
             <a:avLst/>
@@ -5436,7 +5516,7 @@
                   <a:schemeClr val="tx1"/>
                 </a:solidFill>
               </a:rPr>
-              <a:t>로그인</a:t>
+              <a:t>테마</a:t>
             </a:r>
             <a:endParaRPr lang="ko-KR" altLang="en-US" sz="1200" dirty="0">
               <a:solidFill>
@@ -5448,14 +5528,14 @@
       </p:sp>
       <p:sp>
         <p:nvSpPr>
-          <p:cNvPr id="27" name="직사각형 26"/>
-          <p:cNvSpPr/>
-          <p:nvPr/>
-        </p:nvSpPr>
-        <p:spPr>
-          <a:xfrm>
-            <a:off x="7900060" y="265710"/>
-            <a:ext cx="676893" cy="234538"/>
+          <p:cNvPr id="28" name="직사각형 27"/>
+          <p:cNvSpPr/>
+          <p:nvPr/>
+        </p:nvSpPr>
+        <p:spPr>
+          <a:xfrm>
+            <a:off x="2945080" y="265710"/>
+            <a:ext cx="1377538" cy="243444"/>
           </a:xfrm>
           <a:prstGeom prst="rect">
             <a:avLst/>
@@ -5489,12 +5569,12 @@
           <a:p>
             <a:pPr algn="ctr"/>
             <a:r>
-              <a:rPr lang="ko-KR" altLang="en-US" sz="1200" dirty="0" smtClean="0">
-                <a:solidFill>
-                  <a:schemeClr val="tx1"/>
-                </a:solidFill>
-              </a:rPr>
-              <a:t>테마</a:t>
+              <a:rPr lang="en-US" altLang="ko-KR" sz="1200" dirty="0" smtClean="0">
+                <a:solidFill>
+                  <a:schemeClr val="tx1"/>
+                </a:solidFill>
+              </a:rPr>
+              <a:t>CAMPER</a:t>
             </a:r>
             <a:endParaRPr lang="ko-KR" altLang="en-US" sz="1200" dirty="0">
               <a:solidFill>
@@ -5506,14 +5586,14 @@
       </p:sp>
       <p:sp>
         <p:nvSpPr>
-          <p:cNvPr id="28" name="직사각형 27"/>
-          <p:cNvSpPr/>
-          <p:nvPr/>
-        </p:nvSpPr>
-        <p:spPr>
-          <a:xfrm>
-            <a:off x="2945080" y="265710"/>
-            <a:ext cx="1377538" cy="243444"/>
+          <p:cNvPr id="29" name="직사각형 28"/>
+          <p:cNvSpPr/>
+          <p:nvPr/>
+        </p:nvSpPr>
+        <p:spPr>
+          <a:xfrm>
+            <a:off x="4392384" y="265710"/>
+            <a:ext cx="1294412" cy="243444"/>
           </a:xfrm>
           <a:prstGeom prst="rect">
             <a:avLst/>
@@ -5552,7 +5632,15 @@
                   <a:schemeClr val="tx1"/>
                 </a:solidFill>
               </a:rPr>
-              <a:t>CAMPER</a:t>
+              <a:t>CAMPER </a:t>
+            </a:r>
+            <a:r>
+              <a:rPr lang="ko-KR" altLang="en-US" sz="1200" dirty="0" smtClean="0">
+                <a:solidFill>
+                  <a:schemeClr val="tx1"/>
+                </a:solidFill>
+              </a:rPr>
+              <a:t>전용관</a:t>
             </a:r>
             <a:endParaRPr lang="ko-KR" altLang="en-US" sz="1200" dirty="0">
               <a:solidFill>
@@ -5564,14 +5652,14 @@
       </p:sp>
       <p:sp>
         <p:nvSpPr>
-          <p:cNvPr id="29" name="직사각형 28"/>
-          <p:cNvSpPr/>
-          <p:nvPr/>
-        </p:nvSpPr>
-        <p:spPr>
-          <a:xfrm>
-            <a:off x="4392384" y="265710"/>
-            <a:ext cx="1294412" cy="243444"/>
+          <p:cNvPr id="30" name="직사각형 29"/>
+          <p:cNvSpPr/>
+          <p:nvPr/>
+        </p:nvSpPr>
+        <p:spPr>
+          <a:xfrm>
+            <a:off x="5994813" y="265710"/>
+            <a:ext cx="564077" cy="243444"/>
           </a:xfrm>
           <a:prstGeom prst="rect">
             <a:avLst/>
@@ -5605,20 +5693,12 @@
           <a:p>
             <a:pPr algn="ctr"/>
             <a:r>
-              <a:rPr lang="en-US" altLang="ko-KR" sz="1200" dirty="0" smtClean="0">
-                <a:solidFill>
-                  <a:schemeClr val="tx1"/>
-                </a:solidFill>
-              </a:rPr>
-              <a:t>CAMPER </a:t>
-            </a:r>
-            <a:r>
               <a:rPr lang="ko-KR" altLang="en-US" sz="1200" dirty="0" smtClean="0">
                 <a:solidFill>
                   <a:schemeClr val="tx1"/>
                 </a:solidFill>
               </a:rPr>
-              <a:t>전용관</a:t>
+              <a:t>장터</a:t>
             </a:r>
             <a:endParaRPr lang="ko-KR" altLang="en-US" sz="1200" dirty="0">
               <a:solidFill>
@@ -5630,14 +5710,14 @@
       </p:sp>
       <p:sp>
         <p:nvSpPr>
-          <p:cNvPr id="30" name="직사각형 29"/>
-          <p:cNvSpPr/>
-          <p:nvPr/>
-        </p:nvSpPr>
-        <p:spPr>
-          <a:xfrm>
-            <a:off x="5994813" y="265710"/>
-            <a:ext cx="564077" cy="243444"/>
+          <p:cNvPr id="31" name="직사각형 30"/>
+          <p:cNvSpPr/>
+          <p:nvPr/>
+        </p:nvSpPr>
+        <p:spPr>
+          <a:xfrm>
+            <a:off x="6615298" y="265710"/>
+            <a:ext cx="528451" cy="243444"/>
           </a:xfrm>
           <a:prstGeom prst="rect">
             <a:avLst/>
@@ -5676,7 +5756,7 @@
                   <a:schemeClr val="tx1"/>
                 </a:solidFill>
               </a:rPr>
-              <a:t>장터</a:t>
+              <a:t>공지</a:t>
             </a:r>
             <a:endParaRPr lang="ko-KR" altLang="en-US" sz="1200" dirty="0">
               <a:solidFill>
@@ -5688,14 +5768,14 @@
       </p:sp>
       <p:sp>
         <p:nvSpPr>
-          <p:cNvPr id="31" name="직사각형 30"/>
-          <p:cNvSpPr/>
-          <p:nvPr/>
-        </p:nvSpPr>
-        <p:spPr>
-          <a:xfrm>
-            <a:off x="6615298" y="265710"/>
-            <a:ext cx="528451" cy="243444"/>
+          <p:cNvPr id="32" name="직사각형 31"/>
+          <p:cNvSpPr/>
+          <p:nvPr/>
+        </p:nvSpPr>
+        <p:spPr>
+          <a:xfrm>
+            <a:off x="5287485" y="3019806"/>
+            <a:ext cx="3194463" cy="273133"/>
           </a:xfrm>
           <a:prstGeom prst="rect">
             <a:avLst/>
@@ -5728,31 +5808,23 @@
           <a:lstStyle/>
           <a:p>
             <a:pPr algn="ctr"/>
-            <a:r>
-              <a:rPr lang="ko-KR" altLang="en-US" sz="1200" dirty="0" smtClean="0">
-                <a:solidFill>
-                  <a:schemeClr val="tx1"/>
-                </a:solidFill>
-              </a:rPr>
-              <a:t>공지</a:t>
-            </a:r>
-            <a:endParaRPr lang="ko-KR" altLang="en-US" sz="1200" dirty="0">
-              <a:solidFill>
-                <a:schemeClr val="tx1"/>
-              </a:solidFill>
-            </a:endParaRPr>
-          </a:p>
-        </p:txBody>
-      </p:sp>
-      <p:sp>
-        <p:nvSpPr>
-          <p:cNvPr id="32" name="직사각형 31"/>
-          <p:cNvSpPr/>
-          <p:nvPr/>
-        </p:nvSpPr>
-        <p:spPr>
-          <a:xfrm>
-            <a:off x="5281543" y="3138542"/>
+            <a:endParaRPr lang="ko-KR" altLang="en-US" sz="1200">
+              <a:solidFill>
+                <a:schemeClr val="tx1"/>
+              </a:solidFill>
+            </a:endParaRPr>
+          </a:p>
+        </p:txBody>
+      </p:sp>
+      <p:sp>
+        <p:nvSpPr>
+          <p:cNvPr id="33" name="직사각형 32"/>
+          <p:cNvSpPr/>
+          <p:nvPr/>
+        </p:nvSpPr>
+        <p:spPr>
+          <a:xfrm>
+            <a:off x="5287486" y="3390706"/>
             <a:ext cx="3194463" cy="273133"/>
           </a:xfrm>
           <a:prstGeom prst="rect">
@@ -5796,13 +5868,13 @@
       </p:sp>
       <p:sp>
         <p:nvSpPr>
-          <p:cNvPr id="33" name="직사각형 32"/>
-          <p:cNvSpPr/>
-          <p:nvPr/>
-        </p:nvSpPr>
-        <p:spPr>
-          <a:xfrm>
-            <a:off x="5281544" y="3509442"/>
+          <p:cNvPr id="34" name="직사각형 33"/>
+          <p:cNvSpPr/>
+          <p:nvPr/>
+        </p:nvSpPr>
+        <p:spPr>
+          <a:xfrm>
+            <a:off x="5293425" y="3766050"/>
             <a:ext cx="3194463" cy="273133"/>
           </a:xfrm>
           <a:prstGeom prst="rect">
@@ -5846,13 +5918,13 @@
       </p:sp>
       <p:sp>
         <p:nvSpPr>
-          <p:cNvPr id="34" name="직사각형 33"/>
-          <p:cNvSpPr/>
-          <p:nvPr/>
-        </p:nvSpPr>
-        <p:spPr>
-          <a:xfrm>
-            <a:off x="5287483" y="3884786"/>
+          <p:cNvPr id="35" name="직사각형 34"/>
+          <p:cNvSpPr/>
+          <p:nvPr/>
+        </p:nvSpPr>
+        <p:spPr>
+          <a:xfrm>
+            <a:off x="5293426" y="4117928"/>
             <a:ext cx="3194463" cy="273133"/>
           </a:xfrm>
           <a:prstGeom prst="rect">
@@ -5896,13 +5968,213 @@
       </p:sp>
       <p:sp>
         <p:nvSpPr>
-          <p:cNvPr id="35" name="직사각형 34"/>
-          <p:cNvSpPr/>
-          <p:nvPr/>
-        </p:nvSpPr>
-        <p:spPr>
-          <a:xfrm>
-            <a:off x="5287484" y="4236664"/>
+          <p:cNvPr id="21" name="직사각형 20"/>
+          <p:cNvSpPr/>
+          <p:nvPr/>
+        </p:nvSpPr>
+        <p:spPr>
+          <a:xfrm>
+            <a:off x="5305300" y="4441367"/>
+            <a:ext cx="3194463" cy="273133"/>
+          </a:xfrm>
+          <a:prstGeom prst="rect">
+            <a:avLst/>
+          </a:prstGeom>
+          <a:solidFill>
+            <a:schemeClr val="accent4">
+              <a:lumMod val="40000"/>
+              <a:lumOff val="60000"/>
+            </a:schemeClr>
+          </a:solidFill>
+        </p:spPr>
+        <p:style>
+          <a:lnRef idx="2">
+            <a:schemeClr val="accent1">
+              <a:shade val="50000"/>
+            </a:schemeClr>
+          </a:lnRef>
+          <a:fillRef idx="1">
+            <a:schemeClr val="accent1"/>
+          </a:fillRef>
+          <a:effectRef idx="0">
+            <a:schemeClr val="accent1"/>
+          </a:effectRef>
+          <a:fontRef idx="minor">
+            <a:schemeClr val="lt1"/>
+          </a:fontRef>
+        </p:style>
+        <p:txBody>
+          <a:bodyPr rtlCol="0" anchor="ctr"/>
+          <a:lstStyle/>
+          <a:p>
+            <a:pPr algn="ctr"/>
+            <a:endParaRPr lang="ko-KR" altLang="en-US" sz="1200">
+              <a:solidFill>
+                <a:schemeClr val="tx1"/>
+              </a:solidFill>
+            </a:endParaRPr>
+          </a:p>
+        </p:txBody>
+      </p:sp>
+      <p:sp>
+        <p:nvSpPr>
+          <p:cNvPr id="22" name="직사각형 21"/>
+          <p:cNvSpPr/>
+          <p:nvPr/>
+        </p:nvSpPr>
+        <p:spPr>
+          <a:xfrm>
+            <a:off x="5305299" y="4764806"/>
+            <a:ext cx="3194463" cy="273133"/>
+          </a:xfrm>
+          <a:prstGeom prst="rect">
+            <a:avLst/>
+          </a:prstGeom>
+          <a:solidFill>
+            <a:schemeClr val="accent4">
+              <a:lumMod val="40000"/>
+              <a:lumOff val="60000"/>
+            </a:schemeClr>
+          </a:solidFill>
+        </p:spPr>
+        <p:style>
+          <a:lnRef idx="2">
+            <a:schemeClr val="accent1">
+              <a:shade val="50000"/>
+            </a:schemeClr>
+          </a:lnRef>
+          <a:fillRef idx="1">
+            <a:schemeClr val="accent1"/>
+          </a:fillRef>
+          <a:effectRef idx="0">
+            <a:schemeClr val="accent1"/>
+          </a:effectRef>
+          <a:fontRef idx="minor">
+            <a:schemeClr val="lt1"/>
+          </a:fontRef>
+        </p:style>
+        <p:txBody>
+          <a:bodyPr rtlCol="0" anchor="ctr"/>
+          <a:lstStyle/>
+          <a:p>
+            <a:pPr algn="ctr"/>
+            <a:endParaRPr lang="ko-KR" altLang="en-US" sz="1200">
+              <a:solidFill>
+                <a:schemeClr val="tx1"/>
+              </a:solidFill>
+            </a:endParaRPr>
+          </a:p>
+        </p:txBody>
+      </p:sp>
+      <p:sp>
+        <p:nvSpPr>
+          <p:cNvPr id="14" name="아래쪽 화살표 13"/>
+          <p:cNvSpPr/>
+          <p:nvPr/>
+        </p:nvSpPr>
+        <p:spPr>
+          <a:xfrm>
+            <a:off x="6240483" y="4655126"/>
+            <a:ext cx="219694" cy="665015"/>
+          </a:xfrm>
+          <a:prstGeom prst="downArrow">
+            <a:avLst/>
+          </a:prstGeom>
+          <a:solidFill>
+            <a:schemeClr val="accent4">
+              <a:lumMod val="40000"/>
+              <a:lumOff val="60000"/>
+            </a:schemeClr>
+          </a:solidFill>
+        </p:spPr>
+        <p:style>
+          <a:lnRef idx="2">
+            <a:schemeClr val="accent1">
+              <a:shade val="50000"/>
+            </a:schemeClr>
+          </a:lnRef>
+          <a:fillRef idx="1">
+            <a:schemeClr val="accent1"/>
+          </a:fillRef>
+          <a:effectRef idx="0">
+            <a:schemeClr val="accent1"/>
+          </a:effectRef>
+          <a:fontRef idx="minor">
+            <a:schemeClr val="lt1"/>
+          </a:fontRef>
+        </p:style>
+        <p:txBody>
+          <a:bodyPr rtlCol="0" anchor="ctr"/>
+          <a:lstStyle/>
+          <a:p>
+            <a:pPr algn="ctr"/>
+            <a:endParaRPr lang="ko-KR" altLang="en-US" sz="1200">
+              <a:solidFill>
+                <a:schemeClr val="tx1"/>
+              </a:solidFill>
+            </a:endParaRPr>
+          </a:p>
+        </p:txBody>
+      </p:sp>
+      <p:sp>
+        <p:nvSpPr>
+          <p:cNvPr id="23" name="아래쪽 화살표 22"/>
+          <p:cNvSpPr/>
+          <p:nvPr/>
+        </p:nvSpPr>
+        <p:spPr>
+          <a:xfrm>
+            <a:off x="7366660" y="3577580"/>
+            <a:ext cx="219694" cy="1742561"/>
+          </a:xfrm>
+          <a:prstGeom prst="downArrow">
+            <a:avLst/>
+          </a:prstGeom>
+          <a:solidFill>
+            <a:schemeClr val="accent4">
+              <a:lumMod val="40000"/>
+              <a:lumOff val="60000"/>
+            </a:schemeClr>
+          </a:solidFill>
+        </p:spPr>
+        <p:style>
+          <a:lnRef idx="2">
+            <a:schemeClr val="accent1">
+              <a:shade val="50000"/>
+            </a:schemeClr>
+          </a:lnRef>
+          <a:fillRef idx="1">
+            <a:schemeClr val="accent1"/>
+          </a:fillRef>
+          <a:effectRef idx="0">
+            <a:schemeClr val="accent1"/>
+          </a:effectRef>
+          <a:fontRef idx="minor">
+            <a:schemeClr val="lt1"/>
+          </a:fontRef>
+        </p:style>
+        <p:txBody>
+          <a:bodyPr rtlCol="0" anchor="ctr"/>
+          <a:lstStyle/>
+          <a:p>
+            <a:pPr algn="ctr"/>
+            <a:endParaRPr lang="ko-KR" altLang="en-US" sz="1200">
+              <a:solidFill>
+                <a:schemeClr val="tx1"/>
+              </a:solidFill>
+            </a:endParaRPr>
+          </a:p>
+        </p:txBody>
+      </p:sp>
+      <p:sp>
+        <p:nvSpPr>
+          <p:cNvPr id="24" name="직사각형 23"/>
+          <p:cNvSpPr/>
+          <p:nvPr/>
+        </p:nvSpPr>
+        <p:spPr>
+          <a:xfrm>
+            <a:off x="5282291" y="2317029"/>
             <a:ext cx="3194463" cy="273133"/>
           </a:xfrm>
           <a:prstGeom prst="rect">
@@ -7429,7 +7701,7 @@
         </p:nvSpPr>
         <p:spPr>
           <a:xfrm>
-            <a:off x="3027383" y="3335151"/>
+            <a:off x="3027383" y="3299523"/>
             <a:ext cx="1894114" cy="498763"/>
           </a:xfrm>
           <a:prstGeom prst="rect">
@@ -7487,7 +7759,7 @@
         </p:nvSpPr>
         <p:spPr>
           <a:xfrm>
-            <a:off x="3027383" y="3948212"/>
+            <a:off x="3027383" y="3912584"/>
             <a:ext cx="1894114" cy="498763"/>
           </a:xfrm>
           <a:prstGeom prst="rect">
@@ -7545,7 +7817,7 @@
         </p:nvSpPr>
         <p:spPr>
           <a:xfrm>
-            <a:off x="3027383" y="4568690"/>
+            <a:off x="3027383" y="4533062"/>
             <a:ext cx="1894114" cy="498763"/>
           </a:xfrm>
           <a:prstGeom prst="rect">
@@ -7603,7 +7875,7 @@
         </p:nvSpPr>
         <p:spPr>
           <a:xfrm>
-            <a:off x="3027383" y="5183212"/>
+            <a:off x="3027383" y="5147584"/>
             <a:ext cx="1894114" cy="498763"/>
           </a:xfrm>
           <a:prstGeom prst="rect">
@@ -8535,7 +8807,23 @@
                   <a:schemeClr val="tx1"/>
                 </a:solidFill>
               </a:rPr>
-              <a:t>작성자</a:t>
+              <a:t>작성자 </a:t>
+            </a:r>
+            <a:endParaRPr lang="en-US" altLang="ko-KR" sz="1200" dirty="0" smtClean="0">
+              <a:solidFill>
+                <a:schemeClr val="tx1"/>
+              </a:solidFill>
+            </a:endParaRPr>
+          </a:p>
+          <a:p>
+            <a:pPr algn="ctr"/>
+            <a:r>
+              <a:rPr lang="ko-KR" altLang="en-US" sz="1200" dirty="0" smtClean="0">
+                <a:solidFill>
+                  <a:schemeClr val="tx1"/>
+                </a:solidFill>
+              </a:rPr>
+              <a:t>닉네임</a:t>
             </a:r>
             <a:endParaRPr lang="ko-KR" altLang="en-US" sz="1200" dirty="0">
               <a:solidFill>
